--- a/Review/Review #1 - Gruppe 2/Agenda.pptx
+++ b/Review/Review #1 - Gruppe 2/Agenda.pptx
@@ -9,10 +9,10 @@
     <p:sldId id="257" r:id="rId6"/>
     <p:sldId id="258" r:id="rId7"/>
     <p:sldId id="259" r:id="rId8"/>
-    <p:sldId id="261" r:id="rId9"/>
-    <p:sldId id="260" r:id="rId10"/>
-    <p:sldId id="262" r:id="rId11"/>
-    <p:sldId id="263" r:id="rId12"/>
+    <p:sldId id="260" r:id="rId9"/>
+    <p:sldId id="262" r:id="rId10"/>
+    <p:sldId id="263" r:id="rId11"/>
+    <p:sldId id="261" r:id="rId12"/>
   </p:sldIdLst>
   <p:sldSz cx="12192000" cy="6858000"/>
   <p:notesSz cx="6858000" cy="9144000"/>
@@ -111,15 +111,94 @@
       </a:defRPr>
     </a:lvl9pPr>
   </p:defaultTextStyle>
+  <p:extLst>
+    <p:ext uri="{EFAFB233-063F-42B5-8137-9DF3F51BA10A}">
+      <p15:sldGuideLst xmlns:p15="http://schemas.microsoft.com/office/powerpoint/2012/main"/>
+    </p:ext>
+  </p:extLst>
 </p:presentation>
 </file>
 
 <file path=ppt/revisionInfo.xml><?xml version="1.0" encoding="utf-8"?>
 <p1510:revInfo xmlns:a="http://schemas.openxmlformats.org/drawingml/2006/main" xmlns:r="http://schemas.openxmlformats.org/officeDocument/2006/relationships" xmlns:p1510="http://schemas.microsoft.com/office/powerpoint/2015/10/main">
   <p1510:revLst>
+    <p1510:client id="{01AB64F8-EF7E-415E-9989-82AFDD2613B9}" v="4" dt="2020-10-23T12:29:41.201"/>
     <p1510:client id="{7CFADB9A-5F99-4E23-BA19-738549C95DB4}" v="9" dt="2020-10-22T13:54:30.956"/>
   </p1510:revLst>
 </p1510:revInfo>
+</file>
+
+<file path=ppt/changesInfos/changesInfo1.xml><?xml version="1.0" encoding="utf-8"?>
+<pc:chgInfo xmlns:a="http://schemas.openxmlformats.org/drawingml/2006/main" xmlns:r="http://schemas.openxmlformats.org/officeDocument/2006/relationships" xmlns:ac="http://schemas.microsoft.com/office/drawing/2013/main/command" xmlns:pc="http://schemas.microsoft.com/office/powerpoint/2013/main/command">
+  <pc:docChgLst>
+    <pc:chgData name="Simon Fogh Thomsen" userId="670cbd44-9987-41cd-8818-aac91fbb3ce5" providerId="ADAL" clId="{01AB64F8-EF7E-415E-9989-82AFDD2613B9}"/>
+    <pc:docChg chg="undo custSel modSld sldOrd">
+      <pc:chgData name="Simon Fogh Thomsen" userId="670cbd44-9987-41cd-8818-aac91fbb3ce5" providerId="ADAL" clId="{01AB64F8-EF7E-415E-9989-82AFDD2613B9}" dt="2020-10-23T12:29:41.200" v="31"/>
+      <pc:docMkLst>
+        <pc:docMk/>
+      </pc:docMkLst>
+      <pc:sldChg chg="modSp">
+        <pc:chgData name="Simon Fogh Thomsen" userId="670cbd44-9987-41cd-8818-aac91fbb3ce5" providerId="ADAL" clId="{01AB64F8-EF7E-415E-9989-82AFDD2613B9}" dt="2020-10-23T12:15:36.385" v="25" actId="20577"/>
+        <pc:sldMkLst>
+          <pc:docMk/>
+          <pc:sldMk cId="299375186" sldId="256"/>
+        </pc:sldMkLst>
+        <pc:spChg chg="mod">
+          <ac:chgData name="Simon Fogh Thomsen" userId="670cbd44-9987-41cd-8818-aac91fbb3ce5" providerId="ADAL" clId="{01AB64F8-EF7E-415E-9989-82AFDD2613B9}" dt="2020-10-23T12:15:36.385" v="25" actId="20577"/>
+          <ac:spMkLst>
+            <pc:docMk/>
+            <pc:sldMk cId="299375186" sldId="256"/>
+            <ac:spMk id="2" creationId="{AED54FA8-A4F7-4E4E-B40C-9A2DDF66C0B6}"/>
+          </ac:spMkLst>
+        </pc:spChg>
+      </pc:sldChg>
+      <pc:sldChg chg="modSp">
+        <pc:chgData name="Simon Fogh Thomsen" userId="670cbd44-9987-41cd-8818-aac91fbb3ce5" providerId="ADAL" clId="{01AB64F8-EF7E-415E-9989-82AFDD2613B9}" dt="2020-10-23T12:25:27.122" v="28" actId="20578"/>
+        <pc:sldMkLst>
+          <pc:docMk/>
+          <pc:sldMk cId="2463307936" sldId="260"/>
+        </pc:sldMkLst>
+        <pc:spChg chg="mod">
+          <ac:chgData name="Simon Fogh Thomsen" userId="670cbd44-9987-41cd-8818-aac91fbb3ce5" providerId="ADAL" clId="{01AB64F8-EF7E-415E-9989-82AFDD2613B9}" dt="2020-10-23T12:25:27.122" v="28" actId="20578"/>
+          <ac:spMkLst>
+            <pc:docMk/>
+            <pc:sldMk cId="2463307936" sldId="260"/>
+            <ac:spMk id="3" creationId="{020099E5-F018-4B15-A565-9824D0BE3DA3}"/>
+          </ac:spMkLst>
+        </pc:spChg>
+      </pc:sldChg>
+      <pc:sldChg chg="ord">
+        <pc:chgData name="Simon Fogh Thomsen" userId="670cbd44-9987-41cd-8818-aac91fbb3ce5" providerId="ADAL" clId="{01AB64F8-EF7E-415E-9989-82AFDD2613B9}" dt="2020-10-23T12:25:07.121" v="27"/>
+        <pc:sldMkLst>
+          <pc:docMk/>
+          <pc:sldMk cId="818276910" sldId="261"/>
+        </pc:sldMkLst>
+      </pc:sldChg>
+      <pc:sldChg chg="modSp">
+        <pc:chgData name="Simon Fogh Thomsen" userId="670cbd44-9987-41cd-8818-aac91fbb3ce5" providerId="ADAL" clId="{01AB64F8-EF7E-415E-9989-82AFDD2613B9}" dt="2020-10-23T12:29:19.034" v="30" actId="15"/>
+        <pc:sldMkLst>
+          <pc:docMk/>
+          <pc:sldMk cId="2183042705" sldId="262"/>
+        </pc:sldMkLst>
+        <pc:spChg chg="mod">
+          <ac:chgData name="Simon Fogh Thomsen" userId="670cbd44-9987-41cd-8818-aac91fbb3ce5" providerId="ADAL" clId="{01AB64F8-EF7E-415E-9989-82AFDD2613B9}" dt="2020-10-23T12:29:19.034" v="30" actId="15"/>
+          <ac:spMkLst>
+            <pc:docMk/>
+            <pc:sldMk cId="2183042705" sldId="262"/>
+            <ac:spMk id="3" creationId="{020099E5-F018-4B15-A565-9824D0BE3DA3}"/>
+          </ac:spMkLst>
+        </pc:spChg>
+      </pc:sldChg>
+      <pc:sldChg chg="ord">
+        <pc:chgData name="Simon Fogh Thomsen" userId="670cbd44-9987-41cd-8818-aac91fbb3ce5" providerId="ADAL" clId="{01AB64F8-EF7E-415E-9989-82AFDD2613B9}" dt="2020-10-23T12:29:41.200" v="31"/>
+        <pc:sldMkLst>
+          <pc:docMk/>
+          <pc:sldMk cId="2744113724" sldId="263"/>
+        </pc:sldMkLst>
+      </pc:sldChg>
+    </pc:docChg>
+  </pc:docChgLst>
+</pc:chgInfo>
 </file>
 
 <file path=ppt/slideLayouts/slideLayout1.xml><?xml version="1.0" encoding="utf-8"?>
@@ -269,7 +348,7 @@
           <a:p>
             <a:fld id="{1799D0E8-43FB-471A-8CEB-F84A773A4C75}" type="datetimeFigureOut">
               <a:rPr lang="da-DK" smtClean="0"/>
-              <a:t>22-10-2020</a:t>
+              <a:t>23-10-2020</a:t>
             </a:fld>
             <a:endParaRPr lang="da-DK"/>
           </a:p>
@@ -467,7 +546,7 @@
           <a:p>
             <a:fld id="{1799D0E8-43FB-471A-8CEB-F84A773A4C75}" type="datetimeFigureOut">
               <a:rPr lang="da-DK" smtClean="0"/>
-              <a:t>22-10-2020</a:t>
+              <a:t>23-10-2020</a:t>
             </a:fld>
             <a:endParaRPr lang="da-DK"/>
           </a:p>
@@ -675,7 +754,7 @@
           <a:p>
             <a:fld id="{1799D0E8-43FB-471A-8CEB-F84A773A4C75}" type="datetimeFigureOut">
               <a:rPr lang="da-DK" smtClean="0"/>
-              <a:t>22-10-2020</a:t>
+              <a:t>23-10-2020</a:t>
             </a:fld>
             <a:endParaRPr lang="da-DK"/>
           </a:p>
@@ -873,7 +952,7 @@
           <a:p>
             <a:fld id="{1799D0E8-43FB-471A-8CEB-F84A773A4C75}" type="datetimeFigureOut">
               <a:rPr lang="da-DK" smtClean="0"/>
-              <a:t>22-10-2020</a:t>
+              <a:t>23-10-2020</a:t>
             </a:fld>
             <a:endParaRPr lang="da-DK"/>
           </a:p>
@@ -1148,7 +1227,7 @@
           <a:p>
             <a:fld id="{1799D0E8-43FB-471A-8CEB-F84A773A4C75}" type="datetimeFigureOut">
               <a:rPr lang="da-DK" smtClean="0"/>
-              <a:t>22-10-2020</a:t>
+              <a:t>23-10-2020</a:t>
             </a:fld>
             <a:endParaRPr lang="da-DK"/>
           </a:p>
@@ -1413,7 +1492,7 @@
           <a:p>
             <a:fld id="{1799D0E8-43FB-471A-8CEB-F84A773A4C75}" type="datetimeFigureOut">
               <a:rPr lang="da-DK" smtClean="0"/>
-              <a:t>22-10-2020</a:t>
+              <a:t>23-10-2020</a:t>
             </a:fld>
             <a:endParaRPr lang="da-DK"/>
           </a:p>
@@ -1825,7 +1904,7 @@
           <a:p>
             <a:fld id="{1799D0E8-43FB-471A-8CEB-F84A773A4C75}" type="datetimeFigureOut">
               <a:rPr lang="da-DK" smtClean="0"/>
-              <a:t>22-10-2020</a:t>
+              <a:t>23-10-2020</a:t>
             </a:fld>
             <a:endParaRPr lang="da-DK"/>
           </a:p>
@@ -1966,7 +2045,7 @@
           <a:p>
             <a:fld id="{1799D0E8-43FB-471A-8CEB-F84A773A4C75}" type="datetimeFigureOut">
               <a:rPr lang="da-DK" smtClean="0"/>
-              <a:t>22-10-2020</a:t>
+              <a:t>23-10-2020</a:t>
             </a:fld>
             <a:endParaRPr lang="da-DK"/>
           </a:p>
@@ -2079,7 +2158,7 @@
           <a:p>
             <a:fld id="{1799D0E8-43FB-471A-8CEB-F84A773A4C75}" type="datetimeFigureOut">
               <a:rPr lang="da-DK" smtClean="0"/>
-              <a:t>22-10-2020</a:t>
+              <a:t>23-10-2020</a:t>
             </a:fld>
             <a:endParaRPr lang="da-DK"/>
           </a:p>
@@ -2390,7 +2469,7 @@
           <a:p>
             <a:fld id="{1799D0E8-43FB-471A-8CEB-F84A773A4C75}" type="datetimeFigureOut">
               <a:rPr lang="da-DK" smtClean="0"/>
-              <a:t>22-10-2020</a:t>
+              <a:t>23-10-2020</a:t>
             </a:fld>
             <a:endParaRPr lang="da-DK"/>
           </a:p>
@@ -2678,7 +2757,7 @@
           <a:p>
             <a:fld id="{1799D0E8-43FB-471A-8CEB-F84A773A4C75}" type="datetimeFigureOut">
               <a:rPr lang="da-DK" smtClean="0"/>
-              <a:t>22-10-2020</a:t>
+              <a:t>23-10-2020</a:t>
             </a:fld>
             <a:endParaRPr lang="da-DK"/>
           </a:p>
@@ -2919,7 +2998,7 @@
           <a:p>
             <a:fld id="{1799D0E8-43FB-471A-8CEB-F84A773A4C75}" type="datetimeFigureOut">
               <a:rPr lang="da-DK" smtClean="0"/>
-              <a:t>22-10-2020</a:t>
+              <a:t>23-10-2020</a:t>
             </a:fld>
             <a:endParaRPr lang="da-DK"/>
           </a:p>
@@ -3357,7 +3436,18 @@
           <a:bodyPr/>
           <a:lstStyle/>
           <a:p>
-            <a:endParaRPr lang="da-DK" dirty="0"/>
+            <a:r>
+              <a:rPr lang="da-DK" dirty="0"/>
+              <a:t>Review 1 – </a:t>
+            </a:r>
+            <a:r>
+              <a:rPr lang="da-DK" dirty="0" err="1"/>
+              <a:t>Grp</a:t>
+            </a:r>
+            <a:r>
+              <a:rPr lang="da-DK" dirty="0"/>
+              <a:t> 2</a:t>
+            </a:r>
           </a:p>
         </p:txBody>
       </p:sp>
@@ -3781,8 +3871,8 @@
           <a:lstStyle/>
           <a:p>
             <a:r>
-              <a:rPr lang="da-DK" b="1" dirty="0"/>
-              <a:t>Generelt til krav</a:t>
+              <a:rPr lang="da-DK" dirty="0"/>
+              <a:t>Kravspecifikation</a:t>
             </a:r>
           </a:p>
         </p:txBody>
@@ -3810,31 +3900,80 @@
           <a:p>
             <a:r>
               <a:rPr lang="da-DK" dirty="0"/>
-              <a:t>"Skal sprøjte sprit af ved hjælp af en forstøver" Her kunne man med fordel ”gøre de funktionelle krav til ikke-funktionelle krav”, ved at </a:t>
+              <a:t>”Vi”</a:t>
+            </a:r>
+          </a:p>
+          <a:p>
+            <a:r>
+              <a:rPr lang="da-DK" dirty="0"/>
+              <a:t>Mangler indledning flere steder, Ingen kildehenvisninger generelt</a:t>
+            </a:r>
+          </a:p>
+          <a:p>
+            <a:r>
+              <a:rPr lang="da-DK" dirty="0"/>
+              <a:t> eksempelvis forud for denne </a:t>
             </a:r>
             <a:r>
               <a:rPr lang="da-DK" dirty="0" err="1"/>
-              <a:t>specifiere</a:t>
+              <a:t>MosCow</a:t>
             </a:r>
             <a:r>
               <a:rPr lang="da-DK" dirty="0"/>
-              <a:t> hvor lang tid det må tage at spritte et bord af m.m. .. Dertil bliver de ikke-funktionelle krav gentaget på side 9 med en opdeling ved FURPS metoden, hvilket er fedt. Dog virker det lidt som dobbeltkonfekt og bidrager mere til forvirring end forståelse. Det er lidt en skam, siden det er fedt at se at der virkelig er gået i tænkeboks med at udtænke krav! Man kunne med fordel </a:t>
+              <a:t> (Mangler lidt noget struktur)</a:t>
+            </a:r>
+          </a:p>
+          <a:p>
+            <a:r>
+              <a:rPr lang="da-DK" dirty="0"/>
+              <a:t>Der er meget </a:t>
             </a:r>
             <a:r>
               <a:rPr lang="da-DK" dirty="0" err="1"/>
-              <a:t>merche</a:t>
+              <a:t>inforståethed</a:t>
             </a:r>
             <a:r>
               <a:rPr lang="da-DK" dirty="0"/>
-              <a:t> FURPS og MOSCOW så man havde én klarlagt struktur over kravene.</a:t>
-            </a:r>
+              <a:t> (Embedded </a:t>
+            </a:r>
+            <a:r>
+              <a:rPr lang="da-DK" dirty="0" err="1"/>
+              <a:t>stock</a:t>
+            </a:r>
+            <a:r>
+              <a:rPr lang="da-DK" dirty="0"/>
+              <a:t>, den </a:t>
+            </a:r>
+            <a:r>
+              <a:rPr lang="da-DK" dirty="0" err="1"/>
+              <a:t>Psoc</a:t>
+            </a:r>
+            <a:r>
+              <a:rPr lang="da-DK" dirty="0"/>
+              <a:t> vi skulle købe, ”inden næste time starter” osv.) </a:t>
+            </a:r>
+          </a:p>
+          <a:p>
+            <a:r>
+              <a:rPr lang="da-DK" dirty="0"/>
+              <a:t>Servicemanden er både med men også ikke med – slet ham evt. </a:t>
+            </a:r>
+          </a:p>
+          <a:p>
+            <a:endParaRPr lang="da-DK" dirty="0"/>
+          </a:p>
+          <a:p>
+            <a:pPr marL="457200" lvl="1" indent="0">
+              <a:buNone/>
+            </a:pPr>
+            <a:endParaRPr lang="da-DK" dirty="0"/>
           </a:p>
         </p:txBody>
       </p:sp>
     </p:spTree>
     <p:extLst>
       <p:ext uri="{BB962C8B-B14F-4D97-AF65-F5344CB8AC3E}">
-        <p14:creationId xmlns:p14="http://schemas.microsoft.com/office/powerpoint/2010/main" val="818276910"/>
+        <p14:creationId xmlns:p14="http://schemas.microsoft.com/office/powerpoint/2010/main" val="2463307936"/>
       </p:ext>
     </p:extLst>
   </p:cSld>
@@ -3884,7 +4023,7 @@
           <a:p>
             <a:r>
               <a:rPr lang="da-DK" dirty="0"/>
-              <a:t>Kravspecifikation</a:t>
+              <a:t>Kravspecifikation 2</a:t>
             </a:r>
           </a:p>
         </p:txBody>
@@ -3912,72 +4051,33 @@
           <a:p>
             <a:r>
               <a:rPr lang="da-DK" dirty="0"/>
-              <a:t>”Vi”</a:t>
+              <a:t>UC 1: Der er noget med hvordan den renser bordet. .Den renser kun kanten. </a:t>
             </a:r>
           </a:p>
           <a:p>
             <a:r>
               <a:rPr lang="da-DK" dirty="0"/>
-              <a:t>Ingen kildehenvisninger generelt</a:t>
-            </a:r>
+              <a:t>Generelt gode </a:t>
+            </a:r>
+            <a:r>
+              <a:rPr lang="da-DK" dirty="0" err="1"/>
+              <a:t>UC’s</a:t>
+            </a:r>
+            <a:endParaRPr lang="da-DK" dirty="0"/>
           </a:p>
           <a:p>
             <a:r>
               <a:rPr lang="da-DK" dirty="0"/>
-              <a:t>Mangler indledning flere steder, eksempelvis forud for denne </a:t>
-            </a:r>
-            <a:r>
-              <a:rPr lang="da-DK" dirty="0" err="1"/>
-              <a:t>MosCow</a:t>
-            </a:r>
+              <a:t>Er det nødvendigt med fejlfrit 99% af gangene? </a:t>
+            </a:r>
+          </a:p>
+          <a:p>
             <a:r>
               <a:rPr lang="da-DK" dirty="0"/>
-              <a:t> (Mangler lidt noget struktur)</a:t>
-            </a:r>
-          </a:p>
-          <a:p>
-            <a:r>
-              <a:rPr lang="da-DK" dirty="0"/>
-              <a:t>Der er meget </a:t>
-            </a:r>
-            <a:r>
-              <a:rPr lang="da-DK" dirty="0" err="1"/>
-              <a:t>inforståethed</a:t>
-            </a:r>
-            <a:r>
-              <a:rPr lang="da-DK" dirty="0"/>
-              <a:t> (Embedded </a:t>
-            </a:r>
-            <a:r>
-              <a:rPr lang="da-DK" dirty="0" err="1"/>
-              <a:t>stock</a:t>
-            </a:r>
-            <a:r>
-              <a:rPr lang="da-DK" dirty="0"/>
-              <a:t>, den </a:t>
-            </a:r>
-            <a:r>
-              <a:rPr lang="da-DK" dirty="0" err="1"/>
-              <a:t>Psoc</a:t>
-            </a:r>
-            <a:r>
-              <a:rPr lang="da-DK" dirty="0"/>
-              <a:t> vi skulle købe, ”inden næste time starter” osv.) </a:t>
-            </a:r>
-          </a:p>
-          <a:p>
-            <a:r>
-              <a:rPr lang="da-DK" dirty="0"/>
-              <a:t>Servicemanden er både med men også ikke med – slet ham evt. </a:t>
-            </a:r>
-          </a:p>
-          <a:p>
-            <a:endParaRPr lang="da-DK" dirty="0"/>
-          </a:p>
-          <a:p>
-            <a:pPr marL="457200" lvl="1" indent="0">
-              <a:buNone/>
-            </a:pPr>
+              <a:t>Ikke målbare-krav (sjov og sej, så det er fordampet, så de fleste kan finde ud af at XYZ osv.) </a:t>
+            </a:r>
+          </a:p>
+          <a:p>
             <a:endParaRPr lang="da-DK" dirty="0"/>
           </a:p>
         </p:txBody>
@@ -3985,7 +4085,7 @@
     </p:spTree>
     <p:extLst>
       <p:ext uri="{BB962C8B-B14F-4D97-AF65-F5344CB8AC3E}">
-        <p14:creationId xmlns:p14="http://schemas.microsoft.com/office/powerpoint/2010/main" val="2463307936"/>
+        <p14:creationId xmlns:p14="http://schemas.microsoft.com/office/powerpoint/2010/main" val="2183042705"/>
       </p:ext>
     </p:extLst>
   </p:cSld>
@@ -4035,7 +4135,7 @@
           <a:p>
             <a:r>
               <a:rPr lang="da-DK" dirty="0"/>
-              <a:t>Kravspecifikation 2</a:t>
+              <a:t>Test </a:t>
             </a:r>
           </a:p>
         </p:txBody>
@@ -4063,30 +4163,37 @@
           <a:p>
             <a:r>
               <a:rPr lang="da-DK" dirty="0"/>
-              <a:t>UC 1: Der er noget med hvordan den renser bordet. .Den renser kun kanten. </a:t>
-            </a:r>
-          </a:p>
-          <a:p>
+              <a:t>Generelt </a:t>
+            </a:r>
+            <a:r>
+              <a:rPr lang="da-DK" dirty="0" err="1"/>
+              <a:t>umålbare</a:t>
+            </a:r>
             <a:r>
               <a:rPr lang="da-DK" dirty="0"/>
-              <a:t>Generelt gode </a:t>
+              <a:t> ting (”Ikke nok”, ”tilpas”, ”de fleste” osv.) </a:t>
+            </a:r>
+          </a:p>
+          <a:p>
+            <a:r>
+              <a:rPr lang="da-DK" dirty="0"/>
+              <a:t>Tests der er svære at lave (brug en </a:t>
             </a:r>
             <a:r>
               <a:rPr lang="da-DK" dirty="0" err="1"/>
-              <a:t>UC’s</a:t>
-            </a:r>
-            <a:endParaRPr lang="da-DK" dirty="0"/>
-          </a:p>
-          <a:p>
+              <a:t>spriti-nator</a:t>
+            </a:r>
             <a:r>
               <a:rPr lang="da-DK" dirty="0"/>
-              <a:t>Er det nødvendigt med fejlfrit 99% af gangene? </a:t>
-            </a:r>
-          </a:p>
-          <a:p>
+              <a:t> til den er tom, test en </a:t>
+            </a:r>
+            <a:r>
+              <a:rPr lang="da-DK" dirty="0" err="1"/>
+              <a:t>spritinator</a:t>
+            </a:r>
             <a:r>
               <a:rPr lang="da-DK" dirty="0"/>
-              <a:t>Ikke målbare-krav (sjov og sej, så det er fordampet, så de fleste kan finde ud af at XYZ osv.) </a:t>
+              <a:t> 100 gange, den skal falde ned af bordet mv.)</a:t>
             </a:r>
           </a:p>
           <a:p>
@@ -4097,7 +4204,7 @@
     </p:spTree>
     <p:extLst>
       <p:ext uri="{BB962C8B-B14F-4D97-AF65-F5344CB8AC3E}">
-        <p14:creationId xmlns:p14="http://schemas.microsoft.com/office/powerpoint/2010/main" val="2183042705"/>
+        <p14:creationId xmlns:p14="http://schemas.microsoft.com/office/powerpoint/2010/main" val="2744113724"/>
       </p:ext>
     </p:extLst>
   </p:cSld>
@@ -4146,77 +4253,60 @@
           <a:lstStyle/>
           <a:p>
             <a:r>
+              <a:rPr lang="da-DK" b="1" dirty="0"/>
+              <a:t>Generelt til krav</a:t>
+            </a:r>
+          </a:p>
+        </p:txBody>
+      </p:sp>
+      <p:sp>
+        <p:nvSpPr>
+          <p:cNvPr id="3" name="Pladsholder til indhold 2">
+            <a:extLst>
+              <a:ext uri="{FF2B5EF4-FFF2-40B4-BE49-F238E27FC236}">
+                <a16:creationId xmlns:a16="http://schemas.microsoft.com/office/drawing/2014/main" id="{020099E5-F018-4B15-A565-9824D0BE3DA3}"/>
+              </a:ext>
+            </a:extLst>
+          </p:cNvPr>
+          <p:cNvSpPr>
+            <a:spLocks noGrp="1"/>
+          </p:cNvSpPr>
+          <p:nvPr>
+            <p:ph idx="1"/>
+          </p:nvPr>
+        </p:nvSpPr>
+        <p:spPr/>
+        <p:txBody>
+          <a:bodyPr/>
+          <a:lstStyle/>
+          <a:p>
+            <a:r>
               <a:rPr lang="da-DK" dirty="0"/>
-              <a:t>Test </a:t>
-            </a:r>
-          </a:p>
-        </p:txBody>
-      </p:sp>
-      <p:sp>
-        <p:nvSpPr>
-          <p:cNvPr id="3" name="Pladsholder til indhold 2">
-            <a:extLst>
-              <a:ext uri="{FF2B5EF4-FFF2-40B4-BE49-F238E27FC236}">
-                <a16:creationId xmlns:a16="http://schemas.microsoft.com/office/drawing/2014/main" id="{020099E5-F018-4B15-A565-9824D0BE3DA3}"/>
-              </a:ext>
-            </a:extLst>
-          </p:cNvPr>
-          <p:cNvSpPr>
-            <a:spLocks noGrp="1"/>
-          </p:cNvSpPr>
-          <p:nvPr>
-            <p:ph idx="1"/>
-          </p:nvPr>
-        </p:nvSpPr>
-        <p:spPr/>
-        <p:txBody>
-          <a:bodyPr/>
-          <a:lstStyle/>
-          <a:p>
+              <a:t>"Skal sprøjte sprit af ved hjælp af en forstøver" Her kunne man med fordel ”gøre de funktionelle krav til ikke-funktionelle krav”, ved at </a:t>
+            </a:r>
+            <a:r>
+              <a:rPr lang="da-DK" dirty="0" err="1"/>
+              <a:t>specifiere</a:t>
+            </a:r>
             <a:r>
               <a:rPr lang="da-DK" dirty="0"/>
-              <a:t>Generelt </a:t>
+              <a:t> hvor lang tid det må tage at spritte et bord af m.m. .. Dertil bliver de ikke-funktionelle krav gentaget på side 9 med en opdeling ved FURPS metoden, hvilket er fedt. Dog virker det lidt som dobbeltkonfekt og bidrager mere til forvirring end forståelse. Det er lidt en skam, siden det er fedt at se at der virkelig er gået i tænkeboks med at udtænke krav! Man kunne med fordel </a:t>
             </a:r>
             <a:r>
               <a:rPr lang="da-DK" dirty="0" err="1"/>
-              <a:t>umålbare</a:t>
+              <a:t>merche</a:t>
             </a:r>
             <a:r>
               <a:rPr lang="da-DK" dirty="0"/>
-              <a:t> ting (”Ikke nok”, ”tilpas”, ”de fleste” osv.) </a:t>
-            </a:r>
-          </a:p>
-          <a:p>
-            <a:r>
-              <a:rPr lang="da-DK" dirty="0"/>
-              <a:t>Tests der er svære at lave (brug en </a:t>
-            </a:r>
-            <a:r>
-              <a:rPr lang="da-DK" dirty="0" err="1"/>
-              <a:t>spriti-nator</a:t>
-            </a:r>
-            <a:r>
-              <a:rPr lang="da-DK" dirty="0"/>
-              <a:t> til den er tom, test en </a:t>
-            </a:r>
-            <a:r>
-              <a:rPr lang="da-DK" dirty="0" err="1"/>
-              <a:t>spritinator</a:t>
-            </a:r>
-            <a:r>
-              <a:rPr lang="da-DK" dirty="0"/>
-              <a:t> 100 gange, den skal falde ned af bordet mv.)</a:t>
-            </a:r>
-          </a:p>
-          <a:p>
-            <a:endParaRPr lang="da-DK" dirty="0"/>
+              <a:t> FURPS og MOSCOW så man havde én klarlagt struktur over kravene.</a:t>
+            </a:r>
           </a:p>
         </p:txBody>
       </p:sp>
     </p:spTree>
     <p:extLst>
       <p:ext uri="{BB962C8B-B14F-4D97-AF65-F5344CB8AC3E}">
-        <p14:creationId xmlns:p14="http://schemas.microsoft.com/office/powerpoint/2010/main" val="2744113724"/>
+        <p14:creationId xmlns:p14="http://schemas.microsoft.com/office/powerpoint/2010/main" val="818276910"/>
       </p:ext>
     </p:extLst>
   </p:cSld>
@@ -4522,6 +4612,21 @@
 </file>
 
 <file path=customXml/item1.xml><?xml version="1.0" encoding="utf-8"?>
+<p:properties xmlns:p="http://schemas.microsoft.com/office/2006/metadata/properties" xmlns:xsi="http://www.w3.org/2001/XMLSchema-instance" xmlns:pc="http://schemas.microsoft.com/office/infopath/2007/PartnerControls">
+  <documentManagement/>
+</p:properties>
+</file>
+
+<file path=customXml/item2.xml><?xml version="1.0" encoding="utf-8"?>
+<?mso-contentType ?>
+<FormTemplates xmlns="http://schemas.microsoft.com/sharepoint/v3/contenttype/forms">
+  <Display>DocumentLibraryForm</Display>
+  <Edit>DocumentLibraryForm</Edit>
+  <New>DocumentLibraryForm</New>
+</FormTemplates>
+</file>
+
+<file path=customXml/item3.xml><?xml version="1.0" encoding="utf-8"?>
 <ct:contentTypeSchema xmlns:ct="http://schemas.microsoft.com/office/2006/metadata/contentType" xmlns:ma="http://schemas.microsoft.com/office/2006/metadata/properties/metaAttributes" ct:_="" ma:_="" ma:contentTypeName="Dokument" ma:contentTypeID="0x010100646AD830BBFDCA4597774809B91131A7" ma:contentTypeVersion="13" ma:contentTypeDescription="Opret et nyt dokument." ma:contentTypeScope="" ma:versionID="67130d1791f41c3f76755c03e5c41629">
   <xsd:schema xmlns:xsd="http://www.w3.org/2001/XMLSchema" xmlns:xs="http://www.w3.org/2001/XMLSchema" xmlns:p="http://schemas.microsoft.com/office/2006/metadata/properties" xmlns:ns3="f35c43fc-db22-422e-b793-57e15bcdd434" xmlns:ns4="2b6c9fdc-8a71-4d2b-9089-1ebac0416abc" targetNamespace="http://schemas.microsoft.com/office/2006/metadata/properties" ma:root="true" ma:fieldsID="383f13210daa5797894c0af36ac4cf75" ns3:_="" ns4:_="">
     <xsd:import namespace="f35c43fc-db22-422e-b793-57e15bcdd434"/>
@@ -4744,22 +4849,24 @@
 </ct:contentTypeSchema>
 </file>
 
-<file path=customXml/item2.xml><?xml version="1.0" encoding="utf-8"?>
-<?mso-contentType ?>
-<FormTemplates xmlns="http://schemas.microsoft.com/sharepoint/v3/contenttype/forms">
-  <Display>DocumentLibraryForm</Display>
-  <Edit>DocumentLibraryForm</Edit>
-  <New>DocumentLibraryForm</New>
-</FormTemplates>
+<file path=customXml/itemProps1.xml><?xml version="1.0" encoding="utf-8"?>
+<ds:datastoreItem xmlns:ds="http://schemas.openxmlformats.org/officeDocument/2006/customXml" ds:itemID="{2C809BE7-15EB-4B50-8169-E829865C0EC0}">
+  <ds:schemaRefs>
+    <ds:schemaRef ds:uri="http://schemas.microsoft.com/office/2006/metadata/properties"/>
+    <ds:schemaRef ds:uri="http://schemas.microsoft.com/office/infopath/2007/PartnerControls"/>
+  </ds:schemaRefs>
+</ds:datastoreItem>
 </file>
 
-<file path=customXml/item3.xml><?xml version="1.0" encoding="utf-8"?>
-<p:properties xmlns:p="http://schemas.microsoft.com/office/2006/metadata/properties" xmlns:xsi="http://www.w3.org/2001/XMLSchema-instance" xmlns:pc="http://schemas.microsoft.com/office/infopath/2007/PartnerControls">
-  <documentManagement/>
-</p:properties>
+<file path=customXml/itemProps2.xml><?xml version="1.0" encoding="utf-8"?>
+<ds:datastoreItem xmlns:ds="http://schemas.openxmlformats.org/officeDocument/2006/customXml" ds:itemID="{4CD9D73C-055E-471C-B247-456DA3689854}">
+  <ds:schemaRefs>
+    <ds:schemaRef ds:uri="http://schemas.microsoft.com/sharepoint/v3/contenttype/forms"/>
+  </ds:schemaRefs>
+</ds:datastoreItem>
 </file>
 
-<file path=customXml/itemProps1.xml><?xml version="1.0" encoding="utf-8"?>
+<file path=customXml/itemProps3.xml><?xml version="1.0" encoding="utf-8"?>
 <ds:datastoreItem xmlns:ds="http://schemas.openxmlformats.org/officeDocument/2006/customXml" ds:itemID="{46C374A7-3382-435D-BC72-CA6F462661E4}">
   <ds:schemaRefs>
     <ds:schemaRef ds:uri="http://schemas.microsoft.com/office/2006/metadata/contentType"/>
@@ -4776,21 +4883,4 @@
     <ds:schemaRef ds:uri="http://schemas.microsoft.com/internal/obd"/>
   </ds:schemaRefs>
 </ds:datastoreItem>
-</file>
-
-<file path=customXml/itemProps2.xml><?xml version="1.0" encoding="utf-8"?>
-<ds:datastoreItem xmlns:ds="http://schemas.openxmlformats.org/officeDocument/2006/customXml" ds:itemID="{4CD9D73C-055E-471C-B247-456DA3689854}">
-  <ds:schemaRefs>
-    <ds:schemaRef ds:uri="http://schemas.microsoft.com/sharepoint/v3/contenttype/forms"/>
-  </ds:schemaRefs>
-</ds:datastoreItem>
-</file>
-
-<file path=customXml/itemProps3.xml><?xml version="1.0" encoding="utf-8"?>
-<ds:datastoreItem xmlns:ds="http://schemas.openxmlformats.org/officeDocument/2006/customXml" ds:itemID="{2C809BE7-15EB-4B50-8169-E829865C0EC0}">
-  <ds:schemaRefs>
-    <ds:schemaRef ds:uri="http://schemas.microsoft.com/office/2006/metadata/properties"/>
-    <ds:schemaRef ds:uri="http://schemas.microsoft.com/office/infopath/2007/PartnerControls"/>
-  </ds:schemaRefs>
-</ds:datastoreItem>
 </file>